--- a/Docs/Präsenationen/2_BurgerCity.pptx
+++ b/Docs/Präsenationen/2_BurgerCity.pptx
@@ -4,13 +4,16 @@
   <p:sldMasterIdLst>
     <p:sldMasterId id="2147483669" r:id="rId1"/>
   </p:sldMasterIdLst>
+  <p:notesMasterIdLst>
+    <p:notesMasterId r:id="rId12"/>
+  </p:notesMasterIdLst>
   <p:sldIdLst>
     <p:sldId id="256" r:id="rId2"/>
     <p:sldId id="260" r:id="rId3"/>
     <p:sldId id="261" r:id="rId4"/>
     <p:sldId id="264" r:id="rId5"/>
-    <p:sldId id="265" r:id="rId6"/>
-    <p:sldId id="271" r:id="rId7"/>
+    <p:sldId id="271" r:id="rId6"/>
+    <p:sldId id="265" r:id="rId7"/>
     <p:sldId id="272" r:id="rId8"/>
     <p:sldId id="273" r:id="rId9"/>
     <p:sldId id="268" r:id="rId10"/>
@@ -129,6 +132,768 @@
 </p1510:revInfo>
 </file>
 
+<file path=ppt/notesMasters/notesMaster1.xml><?xml version="1.0" encoding="utf-8"?>
+<p:notesMaster xmlns:a="http://schemas.openxmlformats.org/drawingml/2006/main" xmlns:r="http://schemas.openxmlformats.org/officeDocument/2006/relationships" xmlns:p="http://schemas.openxmlformats.org/presentationml/2006/main">
+  <p:cSld>
+    <p:bg>
+      <p:bgRef idx="1001">
+        <a:schemeClr val="bg1"/>
+      </p:bgRef>
+    </p:bg>
+    <p:spTree>
+      <p:nvGrpSpPr>
+        <p:cNvPr id="1" name=""/>
+        <p:cNvGrpSpPr/>
+        <p:nvPr/>
+      </p:nvGrpSpPr>
+      <p:grpSpPr>
+        <a:xfrm>
+          <a:off x="0" y="0"/>
+          <a:ext cx="0" cy="0"/>
+          <a:chOff x="0" y="0"/>
+          <a:chExt cx="0" cy="0"/>
+        </a:xfrm>
+      </p:grpSpPr>
+      <p:sp>
+        <p:nvSpPr>
+          <p:cNvPr id="2" name="Kopfzeilenplatzhalter 1"/>
+          <p:cNvSpPr>
+            <a:spLocks noGrp="1"/>
+          </p:cNvSpPr>
+          <p:nvPr>
+            <p:ph type="hdr" sz="quarter"/>
+          </p:nvPr>
+        </p:nvSpPr>
+        <p:spPr>
+          <a:xfrm>
+            <a:off x="0" y="0"/>
+            <a:ext cx="2971800" cy="458788"/>
+          </a:xfrm>
+          <a:prstGeom prst="rect">
+            <a:avLst/>
+          </a:prstGeom>
+        </p:spPr>
+        <p:txBody>
+          <a:bodyPr vert="horz" lIns="91440" tIns="45720" rIns="91440" bIns="45720" rtlCol="0"/>
+          <a:lstStyle>
+            <a:lvl1pPr algn="l">
+              <a:defRPr sz="1200"/>
+            </a:lvl1pPr>
+          </a:lstStyle>
+          <a:p>
+            <a:endParaRPr lang="de-DE"/>
+          </a:p>
+        </p:txBody>
+      </p:sp>
+      <p:sp>
+        <p:nvSpPr>
+          <p:cNvPr id="3" name="Datumsplatzhalter 2"/>
+          <p:cNvSpPr>
+            <a:spLocks noGrp="1"/>
+          </p:cNvSpPr>
+          <p:nvPr>
+            <p:ph type="dt" idx="1"/>
+          </p:nvPr>
+        </p:nvSpPr>
+        <p:spPr>
+          <a:xfrm>
+            <a:off x="3884613" y="0"/>
+            <a:ext cx="2971800" cy="458788"/>
+          </a:xfrm>
+          <a:prstGeom prst="rect">
+            <a:avLst/>
+          </a:prstGeom>
+        </p:spPr>
+        <p:txBody>
+          <a:bodyPr vert="horz" lIns="91440" tIns="45720" rIns="91440" bIns="45720" rtlCol="0"/>
+          <a:lstStyle>
+            <a:lvl1pPr algn="r">
+              <a:defRPr sz="1200"/>
+            </a:lvl1pPr>
+          </a:lstStyle>
+          <a:p>
+            <a:fld id="{4E7E83E5-ADD9-45BC-9A65-6F7EEBDAD800}" type="datetimeFigureOut">
+              <a:rPr lang="de-DE" smtClean="0"/>
+              <a:t>18.01.2021</a:t>
+            </a:fld>
+            <a:endParaRPr lang="de-DE"/>
+          </a:p>
+        </p:txBody>
+      </p:sp>
+      <p:sp>
+        <p:nvSpPr>
+          <p:cNvPr id="4" name="Folienbildplatzhalter 3"/>
+          <p:cNvSpPr>
+            <a:spLocks noGrp="1" noRot="1" noChangeAspect="1"/>
+          </p:cNvSpPr>
+          <p:nvPr>
+            <p:ph type="sldImg" idx="2"/>
+          </p:nvPr>
+        </p:nvSpPr>
+        <p:spPr>
+          <a:xfrm>
+            <a:off x="685800" y="1143000"/>
+            <a:ext cx="5486400" cy="3086100"/>
+          </a:xfrm>
+          <a:prstGeom prst="rect">
+            <a:avLst/>
+          </a:prstGeom>
+          <a:noFill/>
+          <a:ln w="12700">
+            <a:solidFill>
+              <a:prstClr val="black"/>
+            </a:solidFill>
+          </a:ln>
+        </p:spPr>
+        <p:txBody>
+          <a:bodyPr vert="horz" lIns="91440" tIns="45720" rIns="91440" bIns="45720" rtlCol="0" anchor="ctr"/>
+          <a:lstStyle/>
+          <a:p>
+            <a:endParaRPr lang="de-DE"/>
+          </a:p>
+        </p:txBody>
+      </p:sp>
+      <p:sp>
+        <p:nvSpPr>
+          <p:cNvPr id="5" name="Notizenplatzhalter 4"/>
+          <p:cNvSpPr>
+            <a:spLocks noGrp="1"/>
+          </p:cNvSpPr>
+          <p:nvPr>
+            <p:ph type="body" sz="quarter" idx="3"/>
+          </p:nvPr>
+        </p:nvSpPr>
+        <p:spPr>
+          <a:xfrm>
+            <a:off x="685800" y="4400550"/>
+            <a:ext cx="5486400" cy="3600450"/>
+          </a:xfrm>
+          <a:prstGeom prst="rect">
+            <a:avLst/>
+          </a:prstGeom>
+        </p:spPr>
+        <p:txBody>
+          <a:bodyPr vert="horz" lIns="91440" tIns="45720" rIns="91440" bIns="45720" rtlCol="0"/>
+          <a:lstStyle/>
+          <a:p>
+            <a:pPr lvl="0"/>
+            <a:r>
+              <a:rPr lang="de-DE"/>
+              <a:t>Mastertextformat bearbeiten</a:t>
+            </a:r>
+          </a:p>
+          <a:p>
+            <a:pPr lvl="1"/>
+            <a:r>
+              <a:rPr lang="de-DE"/>
+              <a:t>Zweite Ebene</a:t>
+            </a:r>
+          </a:p>
+          <a:p>
+            <a:pPr lvl="2"/>
+            <a:r>
+              <a:rPr lang="de-DE"/>
+              <a:t>Dritte Ebene</a:t>
+            </a:r>
+          </a:p>
+          <a:p>
+            <a:pPr lvl="3"/>
+            <a:r>
+              <a:rPr lang="de-DE"/>
+              <a:t>Vierte Ebene</a:t>
+            </a:r>
+          </a:p>
+          <a:p>
+            <a:pPr lvl="4"/>
+            <a:r>
+              <a:rPr lang="de-DE"/>
+              <a:t>Fünfte Ebene</a:t>
+            </a:r>
+          </a:p>
+        </p:txBody>
+      </p:sp>
+      <p:sp>
+        <p:nvSpPr>
+          <p:cNvPr id="6" name="Fußzeilenplatzhalter 5"/>
+          <p:cNvSpPr>
+            <a:spLocks noGrp="1"/>
+          </p:cNvSpPr>
+          <p:nvPr>
+            <p:ph type="ftr" sz="quarter" idx="4"/>
+          </p:nvPr>
+        </p:nvSpPr>
+        <p:spPr>
+          <a:xfrm>
+            <a:off x="0" y="8685213"/>
+            <a:ext cx="2971800" cy="458787"/>
+          </a:xfrm>
+          <a:prstGeom prst="rect">
+            <a:avLst/>
+          </a:prstGeom>
+        </p:spPr>
+        <p:txBody>
+          <a:bodyPr vert="horz" lIns="91440" tIns="45720" rIns="91440" bIns="45720" rtlCol="0" anchor="b"/>
+          <a:lstStyle>
+            <a:lvl1pPr algn="l">
+              <a:defRPr sz="1200"/>
+            </a:lvl1pPr>
+          </a:lstStyle>
+          <a:p>
+            <a:endParaRPr lang="de-DE"/>
+          </a:p>
+        </p:txBody>
+      </p:sp>
+      <p:sp>
+        <p:nvSpPr>
+          <p:cNvPr id="7" name="Foliennummernplatzhalter 6"/>
+          <p:cNvSpPr>
+            <a:spLocks noGrp="1"/>
+          </p:cNvSpPr>
+          <p:nvPr>
+            <p:ph type="sldNum" sz="quarter" idx="5"/>
+          </p:nvPr>
+        </p:nvSpPr>
+        <p:spPr>
+          <a:xfrm>
+            <a:off x="3884613" y="8685213"/>
+            <a:ext cx="2971800" cy="458787"/>
+          </a:xfrm>
+          <a:prstGeom prst="rect">
+            <a:avLst/>
+          </a:prstGeom>
+        </p:spPr>
+        <p:txBody>
+          <a:bodyPr vert="horz" lIns="91440" tIns="45720" rIns="91440" bIns="45720" rtlCol="0" anchor="b"/>
+          <a:lstStyle>
+            <a:lvl1pPr algn="r">
+              <a:defRPr sz="1200"/>
+            </a:lvl1pPr>
+          </a:lstStyle>
+          <a:p>
+            <a:fld id="{A7088C75-15CA-44FD-B986-0952231A1A32}" type="slidenum">
+              <a:rPr lang="de-DE" smtClean="0"/>
+              <a:t>‹Nr.›</a:t>
+            </a:fld>
+            <a:endParaRPr lang="de-DE"/>
+          </a:p>
+        </p:txBody>
+      </p:sp>
+    </p:spTree>
+    <p:extLst>
+      <p:ext uri="{BB962C8B-B14F-4D97-AF65-F5344CB8AC3E}">
+        <p14:creationId xmlns:p14="http://schemas.microsoft.com/office/powerpoint/2010/main" val="2938919051"/>
+      </p:ext>
+    </p:extLst>
+  </p:cSld>
+  <p:clrMap bg1="lt1" tx1="dk1" bg2="lt2" tx2="dk2" accent1="accent1" accent2="accent2" accent3="accent3" accent4="accent4" accent5="accent5" accent6="accent6" hlink="hlink" folHlink="folHlink"/>
+  <p:notesStyle>
+    <a:lvl1pPr marL="0" algn="l" defTabSz="914400" rtl="0" eaLnBrk="1" latinLnBrk="0" hangingPunct="1">
+      <a:defRPr sz="1200" kern="1200">
+        <a:solidFill>
+          <a:schemeClr val="tx1"/>
+        </a:solidFill>
+        <a:latin typeface="+mn-lt"/>
+        <a:ea typeface="+mn-ea"/>
+        <a:cs typeface="+mn-cs"/>
+      </a:defRPr>
+    </a:lvl1pPr>
+    <a:lvl2pPr marL="457200" algn="l" defTabSz="914400" rtl="0" eaLnBrk="1" latinLnBrk="0" hangingPunct="1">
+      <a:defRPr sz="1200" kern="1200">
+        <a:solidFill>
+          <a:schemeClr val="tx1"/>
+        </a:solidFill>
+        <a:latin typeface="+mn-lt"/>
+        <a:ea typeface="+mn-ea"/>
+        <a:cs typeface="+mn-cs"/>
+      </a:defRPr>
+    </a:lvl2pPr>
+    <a:lvl3pPr marL="914400" algn="l" defTabSz="914400" rtl="0" eaLnBrk="1" latinLnBrk="0" hangingPunct="1">
+      <a:defRPr sz="1200" kern="1200">
+        <a:solidFill>
+          <a:schemeClr val="tx1"/>
+        </a:solidFill>
+        <a:latin typeface="+mn-lt"/>
+        <a:ea typeface="+mn-ea"/>
+        <a:cs typeface="+mn-cs"/>
+      </a:defRPr>
+    </a:lvl3pPr>
+    <a:lvl4pPr marL="1371600" algn="l" defTabSz="914400" rtl="0" eaLnBrk="1" latinLnBrk="0" hangingPunct="1">
+      <a:defRPr sz="1200" kern="1200">
+        <a:solidFill>
+          <a:schemeClr val="tx1"/>
+        </a:solidFill>
+        <a:latin typeface="+mn-lt"/>
+        <a:ea typeface="+mn-ea"/>
+        <a:cs typeface="+mn-cs"/>
+      </a:defRPr>
+    </a:lvl4pPr>
+    <a:lvl5pPr marL="1828800" algn="l" defTabSz="914400" rtl="0" eaLnBrk="1" latinLnBrk="0" hangingPunct="1">
+      <a:defRPr sz="1200" kern="1200">
+        <a:solidFill>
+          <a:schemeClr val="tx1"/>
+        </a:solidFill>
+        <a:latin typeface="+mn-lt"/>
+        <a:ea typeface="+mn-ea"/>
+        <a:cs typeface="+mn-cs"/>
+      </a:defRPr>
+    </a:lvl5pPr>
+    <a:lvl6pPr marL="2286000" algn="l" defTabSz="914400" rtl="0" eaLnBrk="1" latinLnBrk="0" hangingPunct="1">
+      <a:defRPr sz="1200" kern="1200">
+        <a:solidFill>
+          <a:schemeClr val="tx1"/>
+        </a:solidFill>
+        <a:latin typeface="+mn-lt"/>
+        <a:ea typeface="+mn-ea"/>
+        <a:cs typeface="+mn-cs"/>
+      </a:defRPr>
+    </a:lvl6pPr>
+    <a:lvl7pPr marL="2743200" algn="l" defTabSz="914400" rtl="0" eaLnBrk="1" latinLnBrk="0" hangingPunct="1">
+      <a:defRPr sz="1200" kern="1200">
+        <a:solidFill>
+          <a:schemeClr val="tx1"/>
+        </a:solidFill>
+        <a:latin typeface="+mn-lt"/>
+        <a:ea typeface="+mn-ea"/>
+        <a:cs typeface="+mn-cs"/>
+      </a:defRPr>
+    </a:lvl7pPr>
+    <a:lvl8pPr marL="3200400" algn="l" defTabSz="914400" rtl="0" eaLnBrk="1" latinLnBrk="0" hangingPunct="1">
+      <a:defRPr sz="1200" kern="1200">
+        <a:solidFill>
+          <a:schemeClr val="tx1"/>
+        </a:solidFill>
+        <a:latin typeface="+mn-lt"/>
+        <a:ea typeface="+mn-ea"/>
+        <a:cs typeface="+mn-cs"/>
+      </a:defRPr>
+    </a:lvl8pPr>
+    <a:lvl9pPr marL="3657600" algn="l" defTabSz="914400" rtl="0" eaLnBrk="1" latinLnBrk="0" hangingPunct="1">
+      <a:defRPr sz="1200" kern="1200">
+        <a:solidFill>
+          <a:schemeClr val="tx1"/>
+        </a:solidFill>
+        <a:latin typeface="+mn-lt"/>
+        <a:ea typeface="+mn-ea"/>
+        <a:cs typeface="+mn-cs"/>
+      </a:defRPr>
+    </a:lvl9pPr>
+  </p:notesStyle>
+</p:notesMaster>
+</file>
+
+<file path=ppt/notesSlides/notesSlide1.xml><?xml version="1.0" encoding="utf-8"?>
+<p:notes xmlns:a="http://schemas.openxmlformats.org/drawingml/2006/main" xmlns:r="http://schemas.openxmlformats.org/officeDocument/2006/relationships" xmlns:p="http://schemas.openxmlformats.org/presentationml/2006/main">
+  <p:cSld>
+    <p:spTree>
+      <p:nvGrpSpPr>
+        <p:cNvPr id="1" name=""/>
+        <p:cNvGrpSpPr/>
+        <p:nvPr/>
+      </p:nvGrpSpPr>
+      <p:grpSpPr>
+        <a:xfrm>
+          <a:off x="0" y="0"/>
+          <a:ext cx="0" cy="0"/>
+          <a:chOff x="0" y="0"/>
+          <a:chExt cx="0" cy="0"/>
+        </a:xfrm>
+      </p:grpSpPr>
+      <p:sp>
+        <p:nvSpPr>
+          <p:cNvPr id="2" name="Folienbildplatzhalter 1"/>
+          <p:cNvSpPr>
+            <a:spLocks noGrp="1" noRot="1" noChangeAspect="1"/>
+          </p:cNvSpPr>
+          <p:nvPr>
+            <p:ph type="sldImg"/>
+          </p:nvPr>
+        </p:nvSpPr>
+        <p:spPr/>
+      </p:sp>
+      <p:sp>
+        <p:nvSpPr>
+          <p:cNvPr id="3" name="Notizenplatzhalter 2"/>
+          <p:cNvSpPr>
+            <a:spLocks noGrp="1"/>
+          </p:cNvSpPr>
+          <p:nvPr>
+            <p:ph type="body" idx="1"/>
+          </p:nvPr>
+        </p:nvSpPr>
+        <p:spPr/>
+        <p:txBody>
+          <a:bodyPr/>
+          <a:lstStyle/>
+          <a:p>
+            <a:pPr>
+              <a:lnSpc>
+                <a:spcPct val="107000"/>
+              </a:lnSpc>
+              <a:spcAft>
+                <a:spcPts val="800"/>
+              </a:spcAft>
+            </a:pPr>
+            <a:r>
+              <a:rPr lang="de-DE" sz="1800" dirty="0">
+                <a:effectLst/>
+                <a:latin typeface="Calibri" panose="020F0502020204030204" pitchFamily="34" charset="0"/>
+                <a:ea typeface="Calibri" panose="020F0502020204030204" pitchFamily="34" charset="0"/>
+                <a:cs typeface="Times New Roman" panose="02020603050405020304" pitchFamily="18" charset="0"/>
+              </a:rPr>
+              <a:t>Als nächstes zeigen wir ein paar Seiten, die wir bereits erstellt haben. </a:t>
+            </a:r>
+          </a:p>
+          <a:p>
+            <a:pPr>
+              <a:lnSpc>
+                <a:spcPct val="107000"/>
+              </a:lnSpc>
+              <a:spcAft>
+                <a:spcPts val="800"/>
+              </a:spcAft>
+            </a:pPr>
+            <a:r>
+              <a:rPr lang="de-DE" sz="1800" dirty="0">
+                <a:effectLst/>
+                <a:latin typeface="Calibri" panose="020F0502020204030204" pitchFamily="34" charset="0"/>
+                <a:ea typeface="Calibri" panose="020F0502020204030204" pitchFamily="34" charset="0"/>
+                <a:cs typeface="Times New Roman" panose="02020603050405020304" pitchFamily="18" charset="0"/>
+              </a:rPr>
+              <a:t>Angefangen mit dem Login und </a:t>
+            </a:r>
+            <a:r>
+              <a:rPr lang="de-DE" sz="1800" dirty="0" err="1">
+                <a:effectLst/>
+                <a:latin typeface="Calibri" panose="020F0502020204030204" pitchFamily="34" charset="0"/>
+                <a:ea typeface="Calibri" panose="020F0502020204030204" pitchFamily="34" charset="0"/>
+                <a:cs typeface="Times New Roman" panose="02020603050405020304" pitchFamily="18" charset="0"/>
+              </a:rPr>
+              <a:t>SignIn</a:t>
+            </a:r>
+            <a:r>
+              <a:rPr lang="de-DE" sz="1800" dirty="0">
+                <a:effectLst/>
+                <a:latin typeface="Calibri" panose="020F0502020204030204" pitchFamily="34" charset="0"/>
+                <a:ea typeface="Calibri" panose="020F0502020204030204" pitchFamily="34" charset="0"/>
+                <a:cs typeface="Times New Roman" panose="02020603050405020304" pitchFamily="18" charset="0"/>
+              </a:rPr>
+              <a:t> die wir auf einer gemeinsamen Seite erstellt haben. Diese haben bereits alle Funktionen die für die Anmeldung und Registrierung notwendig sind und müssen nur im Design überarbeitet werden.</a:t>
+            </a:r>
+          </a:p>
+          <a:p>
+            <a:pPr>
+              <a:lnSpc>
+                <a:spcPct val="107000"/>
+              </a:lnSpc>
+              <a:spcAft>
+                <a:spcPts val="800"/>
+              </a:spcAft>
+            </a:pPr>
+            <a:r>
+              <a:rPr lang="de-DE" sz="1800" dirty="0">
+                <a:effectLst/>
+                <a:latin typeface="Calibri" panose="020F0502020204030204" pitchFamily="34" charset="0"/>
+                <a:ea typeface="Calibri" panose="020F0502020204030204" pitchFamily="34" charset="0"/>
+                <a:cs typeface="Times New Roman" panose="02020603050405020304" pitchFamily="18" charset="0"/>
+              </a:rPr>
+              <a:t>NEXT</a:t>
+            </a:r>
+          </a:p>
+        </p:txBody>
+      </p:sp>
+      <p:sp>
+        <p:nvSpPr>
+          <p:cNvPr id="4" name="Foliennummernplatzhalter 3"/>
+          <p:cNvSpPr>
+            <a:spLocks noGrp="1"/>
+          </p:cNvSpPr>
+          <p:nvPr>
+            <p:ph type="sldNum" sz="quarter" idx="5"/>
+          </p:nvPr>
+        </p:nvSpPr>
+        <p:spPr/>
+        <p:txBody>
+          <a:bodyPr/>
+          <a:lstStyle/>
+          <a:p>
+            <a:fld id="{A7088C75-15CA-44FD-B986-0952231A1A32}" type="slidenum">
+              <a:rPr lang="de-DE" smtClean="0"/>
+              <a:t>4</a:t>
+            </a:fld>
+            <a:endParaRPr lang="de-DE"/>
+          </a:p>
+        </p:txBody>
+      </p:sp>
+    </p:spTree>
+    <p:extLst>
+      <p:ext uri="{BB962C8B-B14F-4D97-AF65-F5344CB8AC3E}">
+        <p14:creationId xmlns:p14="http://schemas.microsoft.com/office/powerpoint/2010/main" val="3881529498"/>
+      </p:ext>
+    </p:extLst>
+  </p:cSld>
+  <p:clrMapOvr>
+    <a:masterClrMapping/>
+  </p:clrMapOvr>
+</p:notes>
+</file>
+
+<file path=ppt/notesSlides/notesSlide2.xml><?xml version="1.0" encoding="utf-8"?>
+<p:notes xmlns:a="http://schemas.openxmlformats.org/drawingml/2006/main" xmlns:r="http://schemas.openxmlformats.org/officeDocument/2006/relationships" xmlns:p="http://schemas.openxmlformats.org/presentationml/2006/main">
+  <p:cSld>
+    <p:spTree>
+      <p:nvGrpSpPr>
+        <p:cNvPr id="1" name=""/>
+        <p:cNvGrpSpPr/>
+        <p:nvPr/>
+      </p:nvGrpSpPr>
+      <p:grpSpPr>
+        <a:xfrm>
+          <a:off x="0" y="0"/>
+          <a:ext cx="0" cy="0"/>
+          <a:chOff x="0" y="0"/>
+          <a:chExt cx="0" cy="0"/>
+        </a:xfrm>
+      </p:grpSpPr>
+      <p:sp>
+        <p:nvSpPr>
+          <p:cNvPr id="2" name="Folienbildplatzhalter 1"/>
+          <p:cNvSpPr>
+            <a:spLocks noGrp="1" noRot="1" noChangeAspect="1"/>
+          </p:cNvSpPr>
+          <p:nvPr>
+            <p:ph type="sldImg"/>
+          </p:nvPr>
+        </p:nvSpPr>
+        <p:spPr/>
+      </p:sp>
+      <p:sp>
+        <p:nvSpPr>
+          <p:cNvPr id="3" name="Notizenplatzhalter 2"/>
+          <p:cNvSpPr>
+            <a:spLocks noGrp="1"/>
+          </p:cNvSpPr>
+          <p:nvPr>
+            <p:ph type="body" idx="1"/>
+          </p:nvPr>
+        </p:nvSpPr>
+        <p:spPr/>
+        <p:txBody>
+          <a:bodyPr/>
+          <a:lstStyle/>
+          <a:p>
+            <a:pPr>
+              <a:lnSpc>
+                <a:spcPct val="107000"/>
+              </a:lnSpc>
+              <a:spcAft>
+                <a:spcPts val="800"/>
+              </a:spcAft>
+            </a:pPr>
+            <a:r>
+              <a:rPr lang="de-DE" sz="1800" dirty="0">
+                <a:effectLst/>
+                <a:latin typeface="Calibri" panose="020F0502020204030204" pitchFamily="34" charset="0"/>
+                <a:ea typeface="Calibri" panose="020F0502020204030204" pitchFamily="34" charset="0"/>
+                <a:cs typeface="Times New Roman" panose="02020603050405020304" pitchFamily="18" charset="0"/>
+              </a:rPr>
+              <a:t>Nach dem Login kommt er angemeldete User auf die Account Seite auf der er seine Accountdaten, sein Passwort und Adressen ändern kann. (Wir bieten die Möglichkeit in unserem Onlineshop mehrere Adressen zu speichern um die Bestellabwicklung zu vereinfachen)</a:t>
+            </a:r>
+          </a:p>
+          <a:p>
+            <a:pPr>
+              <a:lnSpc>
+                <a:spcPct val="107000"/>
+              </a:lnSpc>
+              <a:spcAft>
+                <a:spcPts val="800"/>
+              </a:spcAft>
+            </a:pPr>
+            <a:r>
+              <a:rPr lang="de-DE" sz="1800" dirty="0">
+                <a:effectLst/>
+                <a:latin typeface="Calibri" panose="020F0502020204030204" pitchFamily="34" charset="0"/>
+                <a:ea typeface="Calibri" panose="020F0502020204030204" pitchFamily="34" charset="0"/>
+                <a:cs typeface="Times New Roman" panose="02020603050405020304" pitchFamily="18" charset="0"/>
+              </a:rPr>
+              <a:t> </a:t>
+            </a:r>
+          </a:p>
+          <a:p>
+            <a:pPr>
+              <a:lnSpc>
+                <a:spcPct val="107000"/>
+              </a:lnSpc>
+              <a:spcAft>
+                <a:spcPts val="800"/>
+              </a:spcAft>
+            </a:pPr>
+            <a:r>
+              <a:rPr lang="de-DE" sz="1800" dirty="0">
+                <a:effectLst/>
+                <a:latin typeface="Calibri" panose="020F0502020204030204" pitchFamily="34" charset="0"/>
+                <a:ea typeface="Calibri" panose="020F0502020204030204" pitchFamily="34" charset="0"/>
+                <a:cs typeface="Times New Roman" panose="02020603050405020304" pitchFamily="18" charset="0"/>
+              </a:rPr>
+              <a:t>NEXT</a:t>
+            </a:r>
+          </a:p>
+        </p:txBody>
+      </p:sp>
+      <p:sp>
+        <p:nvSpPr>
+          <p:cNvPr id="4" name="Foliennummernplatzhalter 3"/>
+          <p:cNvSpPr>
+            <a:spLocks noGrp="1"/>
+          </p:cNvSpPr>
+          <p:nvPr>
+            <p:ph type="sldNum" sz="quarter" idx="5"/>
+          </p:nvPr>
+        </p:nvSpPr>
+        <p:spPr/>
+        <p:txBody>
+          <a:bodyPr/>
+          <a:lstStyle/>
+          <a:p>
+            <a:fld id="{A7088C75-15CA-44FD-B986-0952231A1A32}" type="slidenum">
+              <a:rPr lang="de-DE" smtClean="0"/>
+              <a:t>5</a:t>
+            </a:fld>
+            <a:endParaRPr lang="de-DE"/>
+          </a:p>
+        </p:txBody>
+      </p:sp>
+    </p:spTree>
+    <p:extLst>
+      <p:ext uri="{BB962C8B-B14F-4D97-AF65-F5344CB8AC3E}">
+        <p14:creationId xmlns:p14="http://schemas.microsoft.com/office/powerpoint/2010/main" val="3622585365"/>
+      </p:ext>
+    </p:extLst>
+  </p:cSld>
+  <p:clrMapOvr>
+    <a:masterClrMapping/>
+  </p:clrMapOvr>
+</p:notes>
+</file>
+
+<file path=ppt/notesSlides/notesSlide3.xml><?xml version="1.0" encoding="utf-8"?>
+<p:notes xmlns:a="http://schemas.openxmlformats.org/drawingml/2006/main" xmlns:r="http://schemas.openxmlformats.org/officeDocument/2006/relationships" xmlns:p="http://schemas.openxmlformats.org/presentationml/2006/main">
+  <p:cSld>
+    <p:spTree>
+      <p:nvGrpSpPr>
+        <p:cNvPr id="1" name=""/>
+        <p:cNvGrpSpPr/>
+        <p:nvPr/>
+      </p:nvGrpSpPr>
+      <p:grpSpPr>
+        <a:xfrm>
+          <a:off x="0" y="0"/>
+          <a:ext cx="0" cy="0"/>
+          <a:chOff x="0" y="0"/>
+          <a:chExt cx="0" cy="0"/>
+        </a:xfrm>
+      </p:grpSpPr>
+      <p:sp>
+        <p:nvSpPr>
+          <p:cNvPr id="2" name="Folienbildplatzhalter 1"/>
+          <p:cNvSpPr>
+            <a:spLocks noGrp="1" noRot="1" noChangeAspect="1"/>
+          </p:cNvSpPr>
+          <p:nvPr>
+            <p:ph type="sldImg"/>
+          </p:nvPr>
+        </p:nvSpPr>
+        <p:spPr/>
+      </p:sp>
+      <p:sp>
+        <p:nvSpPr>
+          <p:cNvPr id="3" name="Notizenplatzhalter 2"/>
+          <p:cNvSpPr>
+            <a:spLocks noGrp="1"/>
+          </p:cNvSpPr>
+          <p:nvPr>
+            <p:ph type="body" idx="1"/>
+          </p:nvPr>
+        </p:nvSpPr>
+        <p:spPr/>
+        <p:txBody>
+          <a:bodyPr/>
+          <a:lstStyle/>
+          <a:p>
+            <a:pPr>
+              <a:lnSpc>
+                <a:spcPct val="107000"/>
+              </a:lnSpc>
+              <a:spcAft>
+                <a:spcPts val="800"/>
+              </a:spcAft>
+            </a:pPr>
+            <a:r>
+              <a:rPr lang="de-DE" sz="1800" dirty="0">
+                <a:effectLst/>
+                <a:latin typeface="Calibri" panose="020F0502020204030204" pitchFamily="34" charset="0"/>
+                <a:ea typeface="Calibri" panose="020F0502020204030204" pitchFamily="34" charset="0"/>
+                <a:cs typeface="Times New Roman" panose="02020603050405020304" pitchFamily="18" charset="0"/>
+              </a:rPr>
+              <a:t>Für ein Burger Restaurant benötigt man natürlich auch eine Speisekarte, auf dieser Seite stellen wir unsere 4 Kategorien; Burger, Getränke, Beilagen und Dessert jeweils mit 3 Beispielprodukten vor. Und bieten auch einen Link und einen Button, um zu einer komplett Auflistung der Produkte einer jeweiligen Kategorie zu kommen.</a:t>
+            </a:r>
+          </a:p>
+          <a:p>
+            <a:pPr>
+              <a:lnSpc>
+                <a:spcPct val="107000"/>
+              </a:lnSpc>
+              <a:spcAft>
+                <a:spcPts val="800"/>
+              </a:spcAft>
+            </a:pPr>
+            <a:r>
+              <a:rPr lang="de-DE" sz="1800" dirty="0">
+                <a:effectLst/>
+                <a:latin typeface="Calibri" panose="020F0502020204030204" pitchFamily="34" charset="0"/>
+                <a:ea typeface="Calibri" panose="020F0502020204030204" pitchFamily="34" charset="0"/>
+                <a:cs typeface="Times New Roman" panose="02020603050405020304" pitchFamily="18" charset="0"/>
+              </a:rPr>
+              <a:t>NEXT</a:t>
+            </a:r>
+          </a:p>
+        </p:txBody>
+      </p:sp>
+      <p:sp>
+        <p:nvSpPr>
+          <p:cNvPr id="4" name="Foliennummernplatzhalter 3"/>
+          <p:cNvSpPr>
+            <a:spLocks noGrp="1"/>
+          </p:cNvSpPr>
+          <p:nvPr>
+            <p:ph type="sldNum" sz="quarter" idx="5"/>
+          </p:nvPr>
+        </p:nvSpPr>
+        <p:spPr/>
+        <p:txBody>
+          <a:bodyPr/>
+          <a:lstStyle/>
+          <a:p>
+            <a:fld id="{A7088C75-15CA-44FD-B986-0952231A1A32}" type="slidenum">
+              <a:rPr lang="de-DE" smtClean="0"/>
+              <a:t>6</a:t>
+            </a:fld>
+            <a:endParaRPr lang="de-DE"/>
+          </a:p>
+        </p:txBody>
+      </p:sp>
+    </p:spTree>
+    <p:extLst>
+      <p:ext uri="{BB962C8B-B14F-4D97-AF65-F5344CB8AC3E}">
+        <p14:creationId xmlns:p14="http://schemas.microsoft.com/office/powerpoint/2010/main" val="3960648648"/>
+      </p:ext>
+    </p:extLst>
+  </p:cSld>
+  <p:clrMapOvr>
+    <a:masterClrMapping/>
+  </p:clrMapOvr>
+</p:notes>
+</file>
+
 <file path=ppt/slideLayouts/slideLayout1.xml><?xml version="1.0" encoding="utf-8"?>
 <p:sldLayout xmlns:a="http://schemas.openxmlformats.org/drawingml/2006/main" xmlns:r="http://schemas.openxmlformats.org/officeDocument/2006/relationships" xmlns:p="http://schemas.openxmlformats.org/presentationml/2006/main" type="title" preserve="1">
   <p:cSld name="Titelfolie">
@@ -403,7 +1168,7 @@
           <a:p>
             <a:fld id="{78ABE3C1-DBE1-495D-B57B-2849774B866A}" type="datetimeFigureOut">
               <a:rPr lang="en-US" smtClean="0"/>
-              <a:t>1/17/2021</a:t>
+              <a:t>1/18/2021</a:t>
             </a:fld>
             <a:endParaRPr lang="en-US" dirty="0"/>
           </a:p>
@@ -817,7 +1582,7 @@
           <a:p>
             <a:fld id="{446C117F-5CCF-4837-BE5F-2B92066CAFAF}" type="datetimeFigureOut">
               <a:rPr lang="en-US" smtClean="0"/>
-              <a:t>1/17/2021</a:t>
+              <a:t>1/18/2021</a:t>
             </a:fld>
             <a:endParaRPr lang="en-US" dirty="0"/>
           </a:p>
@@ -1153,7 +1918,7 @@
           <a:p>
             <a:fld id="{84EB90BD-B6CE-46B7-997F-7313B992CCDC}" type="datetimeFigureOut">
               <a:rPr lang="en-US" smtClean="0"/>
-              <a:t>1/17/2021</a:t>
+              <a:t>1/18/2021</a:t>
             </a:fld>
             <a:endParaRPr lang="en-US" dirty="0"/>
           </a:p>
@@ -1558,7 +2323,7 @@
           <a:p>
             <a:fld id="{CDB9D11F-B188-461D-B23F-39381795C052}" type="datetimeFigureOut">
               <a:rPr lang="en-US" smtClean="0"/>
-              <a:t>1/17/2021</a:t>
+              <a:t>1/18/2021</a:t>
             </a:fld>
             <a:endParaRPr lang="en-US" dirty="0"/>
           </a:p>
@@ -2126,7 +2891,7 @@
           <a:p>
             <a:fld id="{52E6D8D9-55A2-4063-B0F3-121F44549695}" type="datetimeFigureOut">
               <a:rPr lang="en-US" smtClean="0"/>
-              <a:t>1/17/2021</a:t>
+              <a:t>1/18/2021</a:t>
             </a:fld>
             <a:endParaRPr lang="en-US" dirty="0"/>
           </a:p>
@@ -2807,7 +3572,7 @@
           <a:p>
             <a:fld id="{D4B24536-994D-4021-A283-9F449C0DB509}" type="datetimeFigureOut">
               <a:rPr lang="en-US" smtClean="0"/>
-              <a:t>1/17/2021</a:t>
+              <a:t>1/18/2021</a:t>
             </a:fld>
             <a:endParaRPr lang="en-US" dirty="0"/>
           </a:p>
@@ -3720,7 +4485,7 @@
           <a:p>
             <a:fld id="{3CBBBB78-C96F-47B7-AB17-D852CA960AC9}" type="datetimeFigureOut">
               <a:rPr lang="en-US" smtClean="0"/>
-              <a:t>1/17/2021</a:t>
+              <a:t>1/18/2021</a:t>
             </a:fld>
             <a:endParaRPr lang="en-US" dirty="0"/>
           </a:p>
@@ -4033,7 +4798,7 @@
           <a:p>
             <a:fld id="{1FA3F48C-C7C6-4055-9F49-3777875E72AE}" type="datetimeFigureOut">
               <a:rPr lang="en-US" smtClean="0"/>
-              <a:t>1/17/2021</a:t>
+              <a:t>1/18/2021</a:t>
             </a:fld>
             <a:endParaRPr lang="en-US" dirty="0"/>
           </a:p>
@@ -4297,7 +5062,7 @@
           <a:p>
             <a:fld id="{6178E61D-D431-422C-9764-11DAFE33AB63}" type="datetimeFigureOut">
               <a:rPr lang="en-US" smtClean="0"/>
-              <a:t>1/17/2021</a:t>
+              <a:t>1/18/2021</a:t>
             </a:fld>
             <a:endParaRPr lang="en-US" dirty="0"/>
           </a:p>
@@ -4621,7 +5386,7 @@
           <a:p>
             <a:fld id="{12DE42F4-6EEF-4EF7-8ED4-2208F0F89A08}" type="datetimeFigureOut">
               <a:rPr lang="en-US" smtClean="0"/>
-              <a:t>1/17/2021</a:t>
+              <a:t>1/18/2021</a:t>
             </a:fld>
             <a:endParaRPr lang="en-US" dirty="0"/>
           </a:p>
@@ -5010,7 +5775,7 @@
           <a:p>
             <a:fld id="{30578ACC-22D6-47C1-A373-4FD133E34F3C}" type="datetimeFigureOut">
               <a:rPr lang="en-US" smtClean="0"/>
-              <a:t>1/17/2021</a:t>
+              <a:t>1/18/2021</a:t>
             </a:fld>
             <a:endParaRPr lang="en-US" dirty="0"/>
           </a:p>
@@ -5386,7 +6151,7 @@
           <a:p>
             <a:fld id="{4E5A6C69-6797-4E8A-BF37-F2C3751466E9}" type="datetimeFigureOut">
               <a:rPr lang="en-US" smtClean="0"/>
-              <a:t>1/17/2021</a:t>
+              <a:t>1/18/2021</a:t>
             </a:fld>
             <a:endParaRPr lang="en-US" dirty="0"/>
           </a:p>
@@ -5892,7 +6657,7 @@
           <a:p>
             <a:fld id="{D82014A1-A632-4878-A0D3-F52BA7563730}" type="datetimeFigureOut">
               <a:rPr lang="en-US" smtClean="0"/>
-              <a:t>1/17/2021</a:t>
+              <a:t>1/18/2021</a:t>
             </a:fld>
             <a:endParaRPr lang="en-US" dirty="0"/>
           </a:p>
@@ -6149,7 +6914,7 @@
           <a:p>
             <a:fld id="{CE99F462-093F-4566-844B-4C71F2739DA5}" type="datetimeFigureOut">
               <a:rPr lang="en-US" smtClean="0"/>
-              <a:t>1/17/2021</a:t>
+              <a:t>1/18/2021</a:t>
             </a:fld>
             <a:endParaRPr lang="en-US" dirty="0"/>
           </a:p>
@@ -6312,7 +7077,7 @@
           <a:p>
             <a:fld id="{3D24A7AC-904D-4781-85BA-7D10C17ED021}" type="datetimeFigureOut">
               <a:rPr lang="en-US" smtClean="0"/>
-              <a:t>1/17/2021</a:t>
+              <a:t>1/18/2021</a:t>
             </a:fld>
             <a:endParaRPr lang="en-US" dirty="0"/>
           </a:p>
@@ -6702,7 +7467,7 @@
           <a:p>
             <a:fld id="{E331444B-B92B-4E27-8C94-BB93EAF5CB18}" type="datetimeFigureOut">
               <a:rPr lang="en-US" smtClean="0"/>
-              <a:t>1/17/2021</a:t>
+              <a:t>1/18/2021</a:t>
             </a:fld>
             <a:endParaRPr lang="en-US" dirty="0"/>
           </a:p>
@@ -7111,7 +7876,7 @@
           <a:p>
             <a:fld id="{363EFA5E-FA76-400D-B3DC-F0BA90E6D107}" type="datetimeFigureOut">
               <a:rPr lang="en-US" smtClean="0"/>
-              <a:t>1/17/2021</a:t>
+              <a:t>1/18/2021</a:t>
             </a:fld>
             <a:endParaRPr lang="en-US" dirty="0"/>
           </a:p>
@@ -7355,7 +8120,7 @@
           <a:p>
             <a:fld id="{9D6E9DEC-419B-4CC5-A080-3B06BD5A8291}" type="datetimeFigureOut">
               <a:rPr lang="en-US" smtClean="0"/>
-              <a:t>1/17/2021</a:t>
+              <a:t>1/18/2021</a:t>
             </a:fld>
             <a:endParaRPr lang="en-US" dirty="0"/>
           </a:p>
@@ -7821,8 +8586,12 @@
           <a:lstStyle/>
           <a:p>
             <a:r>
+              <a:rPr lang="de-DE" dirty="0" err="1"/>
+              <a:t>Zwischenpäsentation</a:t>
+            </a:r>
+            <a:r>
               <a:rPr lang="de-DE" dirty="0"/>
-              <a:t>Projektpräsentation von</a:t>
+              <a:t> von</a:t>
             </a:r>
           </a:p>
           <a:p>
@@ -8194,10 +8963,10 @@
       </p:sp>
       <p:pic>
         <p:nvPicPr>
-          <p:cNvPr id="7" name="Grafik 6">
+          <p:cNvPr id="8" name="Grafik 7">
             <a:extLst>
               <a:ext uri="{FF2B5EF4-FFF2-40B4-BE49-F238E27FC236}">
-                <a16:creationId xmlns:a16="http://schemas.microsoft.com/office/drawing/2014/main" id="{9ABA1006-68E7-4FA4-BF30-D1B693453119}"/>
+                <a16:creationId xmlns:a16="http://schemas.microsoft.com/office/drawing/2014/main" id="{462742FE-5E67-4B4A-A871-B03E24B10FC1}"/>
               </a:ext>
             </a:extLst>
           </p:cNvPr>
@@ -8214,8 +8983,8 @@
         </p:blipFill>
         <p:spPr>
           <a:xfrm>
-            <a:off x="995207" y="1986203"/>
-            <a:ext cx="6676405" cy="4829266"/>
+            <a:off x="8108020" y="1986615"/>
+            <a:ext cx="2345965" cy="4769269"/>
           </a:xfrm>
           <a:prstGeom prst="rect">
             <a:avLst/>
@@ -8224,10 +8993,10 @@
       </p:pic>
       <p:pic>
         <p:nvPicPr>
-          <p:cNvPr id="8" name="Grafik 7">
+          <p:cNvPr id="4" name="Grafik 3">
             <a:extLst>
               <a:ext uri="{FF2B5EF4-FFF2-40B4-BE49-F238E27FC236}">
-                <a16:creationId xmlns:a16="http://schemas.microsoft.com/office/drawing/2014/main" id="{462742FE-5E67-4B4A-A871-B03E24B10FC1}"/>
+                <a16:creationId xmlns:a16="http://schemas.microsoft.com/office/drawing/2014/main" id="{69043EC3-5C5D-48C6-80B3-2CA90FBE3374}"/>
               </a:ext>
             </a:extLst>
           </p:cNvPr>
@@ -8244,8 +9013,8 @@
         </p:blipFill>
         <p:spPr>
           <a:xfrm>
-            <a:off x="8108020" y="1986615"/>
-            <a:ext cx="2345965" cy="4769269"/>
+            <a:off x="979383" y="2012476"/>
+            <a:ext cx="6497734" cy="4700028"/>
           </a:xfrm>
           <a:prstGeom prst="rect">
             <a:avLst/>
@@ -8361,15 +9130,45 @@
           <p:nvPr/>
         </p:nvPicPr>
         <p:blipFill>
-          <a:blip r:embed="rId2"/>
+          <a:blip r:embed="rId3"/>
           <a:stretch>
             <a:fillRect/>
           </a:stretch>
         </p:blipFill>
         <p:spPr>
           <a:xfrm>
-            <a:off x="2340570" y="2055316"/>
+            <a:off x="680321" y="2088267"/>
             <a:ext cx="7510859" cy="4663435"/>
+          </a:xfrm>
+          <a:prstGeom prst="rect">
+            <a:avLst/>
+          </a:prstGeom>
+        </p:spPr>
+      </p:pic>
+      <p:pic>
+        <p:nvPicPr>
+          <p:cNvPr id="4" name="Grafik 3">
+            <a:extLst>
+              <a:ext uri="{FF2B5EF4-FFF2-40B4-BE49-F238E27FC236}">
+                <a16:creationId xmlns:a16="http://schemas.microsoft.com/office/drawing/2014/main" id="{1E4AC5FF-9162-4B7E-A70F-18C9B633CBA3}"/>
+              </a:ext>
+            </a:extLst>
+          </p:cNvPr>
+          <p:cNvPicPr>
+            <a:picLocks noChangeAspect="1"/>
+          </p:cNvPicPr>
+          <p:nvPr/>
+        </p:nvPicPr>
+        <p:blipFill>
+          <a:blip r:embed="rId4"/>
+          <a:stretch>
+            <a:fillRect/>
+          </a:stretch>
+        </p:blipFill>
+        <p:spPr>
+          <a:xfrm>
+            <a:off x="8823728" y="2117076"/>
+            <a:ext cx="2631334" cy="4634626"/>
           </a:xfrm>
           <a:prstGeom prst="rect">
             <a:avLst/>
@@ -8429,7 +9228,7 @@
           <a:p>
             <a:r>
               <a:rPr lang="de-DE" dirty="0"/>
-              <a:t>Speisekarte - Produktübersicht</a:t>
+              <a:t>Account</a:t>
             </a:r>
           </a:p>
         </p:txBody>
@@ -8457,17 +9256,17 @@
           <a:p>
             <a:r>
               <a:rPr lang="en-US" dirty="0"/>
-              <a:t>4</a:t>
+              <a:t>5</a:t>
             </a:r>
           </a:p>
         </p:txBody>
       </p:sp>
       <p:pic>
         <p:nvPicPr>
-          <p:cNvPr id="6" name="Grafik 5">
+          <p:cNvPr id="8" name="Grafik 7">
             <a:extLst>
               <a:ext uri="{FF2B5EF4-FFF2-40B4-BE49-F238E27FC236}">
-                <a16:creationId xmlns:a16="http://schemas.microsoft.com/office/drawing/2014/main" id="{0A89C564-14DA-483C-A45F-692304442892}"/>
+                <a16:creationId xmlns:a16="http://schemas.microsoft.com/office/drawing/2014/main" id="{3B70239D-FA91-4F10-9EA2-70EA59C82F9D}"/>
               </a:ext>
             </a:extLst>
           </p:cNvPr>
@@ -8477,15 +9276,45 @@
           <p:nvPr/>
         </p:nvPicPr>
         <p:blipFill>
-          <a:blip r:embed="rId2"/>
+          <a:blip r:embed="rId3"/>
           <a:stretch>
             <a:fillRect/>
           </a:stretch>
         </p:blipFill>
         <p:spPr>
           <a:xfrm>
-            <a:off x="1768459" y="1924392"/>
-            <a:ext cx="8123537" cy="4863984"/>
+            <a:off x="8682681" y="2156190"/>
+            <a:ext cx="1845276" cy="4497421"/>
+          </a:xfrm>
+          <a:prstGeom prst="rect">
+            <a:avLst/>
+          </a:prstGeom>
+        </p:spPr>
+      </p:pic>
+      <p:pic>
+        <p:nvPicPr>
+          <p:cNvPr id="6" name="Grafik 5">
+            <a:extLst>
+              <a:ext uri="{FF2B5EF4-FFF2-40B4-BE49-F238E27FC236}">
+                <a16:creationId xmlns:a16="http://schemas.microsoft.com/office/drawing/2014/main" id="{AEF1B61D-1DA1-43E1-9A23-1481A8559FA4}"/>
+              </a:ext>
+            </a:extLst>
+          </p:cNvPr>
+          <p:cNvPicPr>
+            <a:picLocks noChangeAspect="1"/>
+          </p:cNvPicPr>
+          <p:nvPr/>
+        </p:nvPicPr>
+        <p:blipFill>
+          <a:blip r:embed="rId4"/>
+          <a:stretch>
+            <a:fillRect/>
+          </a:stretch>
+        </p:blipFill>
+        <p:spPr>
+          <a:xfrm>
+            <a:off x="1100065" y="2036709"/>
+            <a:ext cx="7367306" cy="4736381"/>
           </a:xfrm>
           <a:prstGeom prst="rect">
             <a:avLst/>
@@ -8495,7 +9324,7 @@
     </p:spTree>
     <p:extLst>
       <p:ext uri="{BB962C8B-B14F-4D97-AF65-F5344CB8AC3E}">
-        <p14:creationId xmlns:p14="http://schemas.microsoft.com/office/powerpoint/2010/main" val="1192322535"/>
+        <p14:creationId xmlns:p14="http://schemas.microsoft.com/office/powerpoint/2010/main" val="1026709188"/>
       </p:ext>
     </p:extLst>
   </p:cSld>
@@ -8545,7 +9374,7 @@
           <a:p>
             <a:r>
               <a:rPr lang="de-DE" dirty="0"/>
-              <a:t>Account</a:t>
+              <a:t>Speisekarte - Produktübersicht</a:t>
             </a:r>
           </a:p>
         </p:txBody>
@@ -8573,47 +9402,17 @@
           <a:p>
             <a:r>
               <a:rPr lang="en-US" dirty="0"/>
-              <a:t>5</a:t>
+              <a:t>4</a:t>
             </a:r>
           </a:p>
         </p:txBody>
       </p:sp>
       <p:pic>
         <p:nvPicPr>
-          <p:cNvPr id="4" name="Grafik 3">
+          <p:cNvPr id="6" name="Grafik 5">
             <a:extLst>
               <a:ext uri="{FF2B5EF4-FFF2-40B4-BE49-F238E27FC236}">
-                <a16:creationId xmlns:a16="http://schemas.microsoft.com/office/drawing/2014/main" id="{7EB4319F-D100-424B-9F1A-D259B12C3D91}"/>
-              </a:ext>
-            </a:extLst>
-          </p:cNvPr>
-          <p:cNvPicPr>
-            <a:picLocks noChangeAspect="1"/>
-          </p:cNvPicPr>
-          <p:nvPr/>
-        </p:nvPicPr>
-        <p:blipFill>
-          <a:blip r:embed="rId2"/>
-          <a:stretch>
-            <a:fillRect/>
-          </a:stretch>
-        </p:blipFill>
-        <p:spPr>
-          <a:xfrm>
-            <a:off x="830850" y="2156190"/>
-            <a:ext cx="7618977" cy="4379785"/>
-          </a:xfrm>
-          <a:prstGeom prst="rect">
-            <a:avLst/>
-          </a:prstGeom>
-        </p:spPr>
-      </p:pic>
-      <p:pic>
-        <p:nvPicPr>
-          <p:cNvPr id="8" name="Grafik 7">
-            <a:extLst>
-              <a:ext uri="{FF2B5EF4-FFF2-40B4-BE49-F238E27FC236}">
-                <a16:creationId xmlns:a16="http://schemas.microsoft.com/office/drawing/2014/main" id="{3B70239D-FA91-4F10-9EA2-70EA59C82F9D}"/>
+                <a16:creationId xmlns:a16="http://schemas.microsoft.com/office/drawing/2014/main" id="{0A89C564-14DA-483C-A45F-692304442892}"/>
               </a:ext>
             </a:extLst>
           </p:cNvPr>
@@ -8630,8 +9429,8 @@
         </p:blipFill>
         <p:spPr>
           <a:xfrm>
-            <a:off x="8682681" y="2156190"/>
-            <a:ext cx="1845276" cy="4497421"/>
+            <a:off x="1768459" y="1924392"/>
+            <a:ext cx="8123537" cy="4863984"/>
           </a:xfrm>
           <a:prstGeom prst="rect">
             <a:avLst/>
@@ -8641,7 +9440,7 @@
     </p:spTree>
     <p:extLst>
       <p:ext uri="{BB962C8B-B14F-4D97-AF65-F5344CB8AC3E}">
-        <p14:creationId xmlns:p14="http://schemas.microsoft.com/office/powerpoint/2010/main" val="1026709188"/>
+        <p14:creationId xmlns:p14="http://schemas.microsoft.com/office/powerpoint/2010/main" val="1192322535"/>
       </p:ext>
     </p:extLst>
   </p:cSld>
@@ -9346,4 +10145,299 @@
     </a:ext>
   </a:extLst>
 </a:theme>
+</file>
+
+<file path=ppt/theme/theme2.xml><?xml version="1.0" encoding="utf-8"?>
+<a:theme xmlns:a="http://schemas.openxmlformats.org/drawingml/2006/main" name="Office">
+  <a:themeElements>
+    <a:clrScheme name="Office">
+      <a:dk1>
+        <a:sysClr val="windowText" lastClr="000000"/>
+      </a:dk1>
+      <a:lt1>
+        <a:sysClr val="window" lastClr="FFFFFF"/>
+      </a:lt1>
+      <a:dk2>
+        <a:srgbClr val="44546A"/>
+      </a:dk2>
+      <a:lt2>
+        <a:srgbClr val="E7E6E6"/>
+      </a:lt2>
+      <a:accent1>
+        <a:srgbClr val="4472C4"/>
+      </a:accent1>
+      <a:accent2>
+        <a:srgbClr val="ED7D31"/>
+      </a:accent2>
+      <a:accent3>
+        <a:srgbClr val="A5A5A5"/>
+      </a:accent3>
+      <a:accent4>
+        <a:srgbClr val="FFC000"/>
+      </a:accent4>
+      <a:accent5>
+        <a:srgbClr val="5B9BD5"/>
+      </a:accent5>
+      <a:accent6>
+        <a:srgbClr val="70AD47"/>
+      </a:accent6>
+      <a:hlink>
+        <a:srgbClr val="0563C1"/>
+      </a:hlink>
+      <a:folHlink>
+        <a:srgbClr val="954F72"/>
+      </a:folHlink>
+    </a:clrScheme>
+    <a:fontScheme name="Office">
+      <a:majorFont>
+        <a:latin typeface="Calibri Light" panose="020F0302020204030204"/>
+        <a:ea typeface=""/>
+        <a:cs typeface=""/>
+        <a:font script="Jpan" typeface="游ゴシック Light"/>
+        <a:font script="Hang" typeface="맑은 고딕"/>
+        <a:font script="Hans" typeface="等线 Light"/>
+        <a:font script="Hant" typeface="新細明體"/>
+        <a:font script="Arab" typeface="Times New Roman"/>
+        <a:font script="Hebr" typeface="Times New Roman"/>
+        <a:font script="Thai" typeface="Angsana New"/>
+        <a:font script="Ethi" typeface="Nyala"/>
+        <a:font script="Beng" typeface="Vrinda"/>
+        <a:font script="Gujr" typeface="Shruti"/>
+        <a:font script="Khmr" typeface="MoolBoran"/>
+        <a:font script="Knda" typeface="Tunga"/>
+        <a:font script="Guru" typeface="Raavi"/>
+        <a:font script="Cans" typeface="Euphemia"/>
+        <a:font script="Cher" typeface="Plantagenet Cherokee"/>
+        <a:font script="Yiii" typeface="Microsoft Yi Baiti"/>
+        <a:font script="Tibt" typeface="Microsoft Himalaya"/>
+        <a:font script="Thaa" typeface="MV Boli"/>
+        <a:font script="Deva" typeface="Mangal"/>
+        <a:font script="Telu" typeface="Gautami"/>
+        <a:font script="Taml" typeface="Latha"/>
+        <a:font script="Syrc" typeface="Estrangelo Edessa"/>
+        <a:font script="Orya" typeface="Kalinga"/>
+        <a:font script="Mlym" typeface="Kartika"/>
+        <a:font script="Laoo" typeface="DokChampa"/>
+        <a:font script="Sinh" typeface="Iskoola Pota"/>
+        <a:font script="Mong" typeface="Mongolian Baiti"/>
+        <a:font script="Viet" typeface="Times New Roman"/>
+        <a:font script="Uigh" typeface="Microsoft Uighur"/>
+        <a:font script="Geor" typeface="Sylfaen"/>
+        <a:font script="Armn" typeface="Arial"/>
+        <a:font script="Bugi" typeface="Leelawadee UI"/>
+        <a:font script="Bopo" typeface="Microsoft JhengHei"/>
+        <a:font script="Java" typeface="Javanese Text"/>
+        <a:font script="Lisu" typeface="Segoe UI"/>
+        <a:font script="Mymr" typeface="Myanmar Text"/>
+        <a:font script="Nkoo" typeface="Ebrima"/>
+        <a:font script="Olck" typeface="Nirmala UI"/>
+        <a:font script="Osma" typeface="Ebrima"/>
+        <a:font script="Phag" typeface="Phagspa"/>
+        <a:font script="Syrn" typeface="Estrangelo Edessa"/>
+        <a:font script="Syrj" typeface="Estrangelo Edessa"/>
+        <a:font script="Syre" typeface="Estrangelo Edessa"/>
+        <a:font script="Sora" typeface="Nirmala UI"/>
+        <a:font script="Tale" typeface="Microsoft Tai Le"/>
+        <a:font script="Talu" typeface="Microsoft New Tai Lue"/>
+        <a:font script="Tfng" typeface="Ebrima"/>
+      </a:majorFont>
+      <a:minorFont>
+        <a:latin typeface="Calibri" panose="020F0502020204030204"/>
+        <a:ea typeface=""/>
+        <a:cs typeface=""/>
+        <a:font script="Jpan" typeface="游ゴシック"/>
+        <a:font script="Hang" typeface="맑은 고딕"/>
+        <a:font script="Hans" typeface="等线"/>
+        <a:font script="Hant" typeface="新細明體"/>
+        <a:font script="Arab" typeface="Arial"/>
+        <a:font script="Hebr" typeface="Arial"/>
+        <a:font script="Thai" typeface="Cordia New"/>
+        <a:font script="Ethi" typeface="Nyala"/>
+        <a:font script="Beng" typeface="Vrinda"/>
+        <a:font script="Gujr" typeface="Shruti"/>
+        <a:font script="Khmr" typeface="DaunPenh"/>
+        <a:font script="Knda" typeface="Tunga"/>
+        <a:font script="Guru" typeface="Raavi"/>
+        <a:font script="Cans" typeface="Euphemia"/>
+        <a:font script="Cher" typeface="Plantagenet Cherokee"/>
+        <a:font script="Yiii" typeface="Microsoft Yi Baiti"/>
+        <a:font script="Tibt" typeface="Microsoft Himalaya"/>
+        <a:font script="Thaa" typeface="MV Boli"/>
+        <a:font script="Deva" typeface="Mangal"/>
+        <a:font script="Telu" typeface="Gautami"/>
+        <a:font script="Taml" typeface="Latha"/>
+        <a:font script="Syrc" typeface="Estrangelo Edessa"/>
+        <a:font script="Orya" typeface="Kalinga"/>
+        <a:font script="Mlym" typeface="Kartika"/>
+        <a:font script="Laoo" typeface="DokChampa"/>
+        <a:font script="Sinh" typeface="Iskoola Pota"/>
+        <a:font script="Mong" typeface="Mongolian Baiti"/>
+        <a:font script="Viet" typeface="Arial"/>
+        <a:font script="Uigh" typeface="Microsoft Uighur"/>
+        <a:font script="Geor" typeface="Sylfaen"/>
+        <a:font script="Armn" typeface="Arial"/>
+        <a:font script="Bugi" typeface="Leelawadee UI"/>
+        <a:font script="Bopo" typeface="Microsoft JhengHei"/>
+        <a:font script="Java" typeface="Javanese Text"/>
+        <a:font script="Lisu" typeface="Segoe UI"/>
+        <a:font script="Mymr" typeface="Myanmar Text"/>
+        <a:font script="Nkoo" typeface="Ebrima"/>
+        <a:font script="Olck" typeface="Nirmala UI"/>
+        <a:font script="Osma" typeface="Ebrima"/>
+        <a:font script="Phag" typeface="Phagspa"/>
+        <a:font script="Syrn" typeface="Estrangelo Edessa"/>
+        <a:font script="Syrj" typeface="Estrangelo Edessa"/>
+        <a:font script="Syre" typeface="Estrangelo Edessa"/>
+        <a:font script="Sora" typeface="Nirmala UI"/>
+        <a:font script="Tale" typeface="Microsoft Tai Le"/>
+        <a:font script="Talu" typeface="Microsoft New Tai Lue"/>
+        <a:font script="Tfng" typeface="Ebrima"/>
+      </a:minorFont>
+    </a:fontScheme>
+    <a:fmtScheme name="Office">
+      <a:fillStyleLst>
+        <a:solidFill>
+          <a:schemeClr val="phClr"/>
+        </a:solidFill>
+        <a:gradFill rotWithShape="1">
+          <a:gsLst>
+            <a:gs pos="0">
+              <a:schemeClr val="phClr">
+                <a:lumMod val="110000"/>
+                <a:satMod val="105000"/>
+                <a:tint val="67000"/>
+              </a:schemeClr>
+            </a:gs>
+            <a:gs pos="50000">
+              <a:schemeClr val="phClr">
+                <a:lumMod val="105000"/>
+                <a:satMod val="103000"/>
+                <a:tint val="73000"/>
+              </a:schemeClr>
+            </a:gs>
+            <a:gs pos="100000">
+              <a:schemeClr val="phClr">
+                <a:lumMod val="105000"/>
+                <a:satMod val="109000"/>
+                <a:tint val="81000"/>
+              </a:schemeClr>
+            </a:gs>
+          </a:gsLst>
+          <a:lin ang="5400000" scaled="0"/>
+        </a:gradFill>
+        <a:gradFill rotWithShape="1">
+          <a:gsLst>
+            <a:gs pos="0">
+              <a:schemeClr val="phClr">
+                <a:satMod val="103000"/>
+                <a:lumMod val="102000"/>
+                <a:tint val="94000"/>
+              </a:schemeClr>
+            </a:gs>
+            <a:gs pos="50000">
+              <a:schemeClr val="phClr">
+                <a:satMod val="110000"/>
+                <a:lumMod val="100000"/>
+                <a:shade val="100000"/>
+              </a:schemeClr>
+            </a:gs>
+            <a:gs pos="100000">
+              <a:schemeClr val="phClr">
+                <a:lumMod val="99000"/>
+                <a:satMod val="120000"/>
+                <a:shade val="78000"/>
+              </a:schemeClr>
+            </a:gs>
+          </a:gsLst>
+          <a:lin ang="5400000" scaled="0"/>
+        </a:gradFill>
+      </a:fillStyleLst>
+      <a:lnStyleLst>
+        <a:ln w="6350" cap="flat" cmpd="sng" algn="ctr">
+          <a:solidFill>
+            <a:schemeClr val="phClr"/>
+          </a:solidFill>
+          <a:prstDash val="solid"/>
+          <a:miter lim="800000"/>
+        </a:ln>
+        <a:ln w="12700" cap="flat" cmpd="sng" algn="ctr">
+          <a:solidFill>
+            <a:schemeClr val="phClr"/>
+          </a:solidFill>
+          <a:prstDash val="solid"/>
+          <a:miter lim="800000"/>
+        </a:ln>
+        <a:ln w="19050" cap="flat" cmpd="sng" algn="ctr">
+          <a:solidFill>
+            <a:schemeClr val="phClr"/>
+          </a:solidFill>
+          <a:prstDash val="solid"/>
+          <a:miter lim="800000"/>
+        </a:ln>
+      </a:lnStyleLst>
+      <a:effectStyleLst>
+        <a:effectStyle>
+          <a:effectLst/>
+        </a:effectStyle>
+        <a:effectStyle>
+          <a:effectLst/>
+        </a:effectStyle>
+        <a:effectStyle>
+          <a:effectLst>
+            <a:outerShdw blurRad="57150" dist="19050" dir="5400000" algn="ctr" rotWithShape="0">
+              <a:srgbClr val="000000">
+                <a:alpha val="63000"/>
+              </a:srgbClr>
+            </a:outerShdw>
+          </a:effectLst>
+        </a:effectStyle>
+      </a:effectStyleLst>
+      <a:bgFillStyleLst>
+        <a:solidFill>
+          <a:schemeClr val="phClr"/>
+        </a:solidFill>
+        <a:solidFill>
+          <a:schemeClr val="phClr">
+            <a:tint val="95000"/>
+            <a:satMod val="170000"/>
+          </a:schemeClr>
+        </a:solidFill>
+        <a:gradFill rotWithShape="1">
+          <a:gsLst>
+            <a:gs pos="0">
+              <a:schemeClr val="phClr">
+                <a:tint val="93000"/>
+                <a:satMod val="150000"/>
+                <a:shade val="98000"/>
+                <a:lumMod val="102000"/>
+              </a:schemeClr>
+            </a:gs>
+            <a:gs pos="50000">
+              <a:schemeClr val="phClr">
+                <a:tint val="98000"/>
+                <a:satMod val="130000"/>
+                <a:shade val="90000"/>
+                <a:lumMod val="103000"/>
+              </a:schemeClr>
+            </a:gs>
+            <a:gs pos="100000">
+              <a:schemeClr val="phClr">
+                <a:shade val="63000"/>
+                <a:satMod val="120000"/>
+              </a:schemeClr>
+            </a:gs>
+          </a:gsLst>
+          <a:lin ang="5400000" scaled="0"/>
+        </a:gradFill>
+      </a:bgFillStyleLst>
+    </a:fmtScheme>
+  </a:themeElements>
+  <a:objectDefaults/>
+  <a:extraClrSchemeLst/>
+  <a:extLst>
+    <a:ext uri="{05A4C25C-085E-4340-85A3-A5531E510DB2}">
+      <thm15:themeFamily xmlns:thm15="http://schemas.microsoft.com/office/thememl/2012/main" name="Office Theme" id="{62F939B6-93AF-4DB8-9C6B-D6C7DFDC589F}" vid="{4A3C46E8-61CC-4603-A589-7422A47A8E4A}"/>
+    </a:ext>
+  </a:extLst>
+</a:theme>
 </file>